--- a/slides/Gordon_poster.pptx
+++ b/slides/Gordon_poster.pptx
@@ -241,7 +241,7 @@
           <a:p>
             <a:fld id="{3359D107-6C47-E441-88A8-1AC6DD998D50}" type="datetimeFigureOut">
               <a:rPr lang="en-US" smtClean="0"/>
-              <a:t>6/12/17</a:t>
+              <a:t>6/14/17</a:t>
             </a:fld>
             <a:endParaRPr lang="en-US"/>
           </a:p>
@@ -1316,7 +1316,7 @@
               <a:pPr>
                 <a:defRPr/>
               </a:pPr>
-              <a:t>6/12/17</a:t>
+              <a:t>6/14/17</a:t>
             </a:fld>
             <a:endParaRPr lang="en-US"/>
           </a:p>
@@ -1508,7 +1508,7 @@
               <a:pPr>
                 <a:defRPr/>
               </a:pPr>
-              <a:t>6/12/17</a:t>
+              <a:t>6/14/17</a:t>
             </a:fld>
             <a:endParaRPr lang="en-US"/>
           </a:p>
@@ -1710,7 +1710,7 @@
               <a:pPr>
                 <a:defRPr/>
               </a:pPr>
-              <a:t>6/12/17</a:t>
+              <a:t>6/14/17</a:t>
             </a:fld>
             <a:endParaRPr lang="en-US"/>
           </a:p>
@@ -1902,7 +1902,7 @@
               <a:pPr>
                 <a:defRPr/>
               </a:pPr>
-              <a:t>6/12/17</a:t>
+              <a:t>6/14/17</a:t>
             </a:fld>
             <a:endParaRPr lang="en-US"/>
           </a:p>
@@ -2170,7 +2170,7 @@
               <a:pPr>
                 <a:defRPr/>
               </a:pPr>
-              <a:t>6/12/17</a:t>
+              <a:t>6/14/17</a:t>
             </a:fld>
             <a:endParaRPr lang="en-US"/>
           </a:p>
@@ -2480,7 +2480,7 @@
               <a:pPr>
                 <a:defRPr/>
               </a:pPr>
-              <a:t>6/12/17</a:t>
+              <a:t>6/14/17</a:t>
             </a:fld>
             <a:endParaRPr lang="en-US"/>
           </a:p>
@@ -2924,7 +2924,7 @@
               <a:pPr>
                 <a:defRPr/>
               </a:pPr>
-              <a:t>6/12/17</a:t>
+              <a:t>6/14/17</a:t>
             </a:fld>
             <a:endParaRPr lang="en-US"/>
           </a:p>
@@ -3064,7 +3064,7 @@
               <a:pPr>
                 <a:defRPr/>
               </a:pPr>
-              <a:t>6/12/17</a:t>
+              <a:t>6/14/17</a:t>
             </a:fld>
             <a:endParaRPr lang="en-US"/>
           </a:p>
@@ -3181,7 +3181,7 @@
               <a:pPr>
                 <a:defRPr/>
               </a:pPr>
-              <a:t>6/12/17</a:t>
+              <a:t>6/14/17</a:t>
             </a:fld>
             <a:endParaRPr lang="en-US"/>
           </a:p>
@@ -3480,7 +3480,7 @@
               <a:pPr>
                 <a:defRPr/>
               </a:pPr>
-              <a:t>6/12/17</a:t>
+              <a:t>6/14/17</a:t>
             </a:fld>
             <a:endParaRPr lang="en-US"/>
           </a:p>
@@ -3758,7 +3758,7 @@
               <a:pPr>
                 <a:defRPr/>
               </a:pPr>
-              <a:t>6/12/17</a:t>
+              <a:t>6/14/17</a:t>
             </a:fld>
             <a:endParaRPr lang="en-US"/>
           </a:p>
@@ -4014,7 +4014,7 @@
               <a:pPr>
                 <a:defRPr/>
               </a:pPr>
-              <a:t>6/12/17</a:t>
+              <a:t>6/14/17</a:t>
             </a:fld>
             <a:endParaRPr lang="en-US"/>
           </a:p>
@@ -4556,8 +4556,8 @@
         </p:nvSpPr>
         <p:spPr>
           <a:xfrm>
-            <a:off x="19258359" y="41277897"/>
-            <a:ext cx="11430000" cy="5334000"/>
+            <a:off x="1193005" y="40424427"/>
+            <a:ext cx="27857054" cy="1778811"/>
           </a:xfrm>
           <a:prstGeom prst="rect">
             <a:avLst/>
@@ -4599,8 +4599,8 @@
         </p:nvSpPr>
         <p:spPr>
           <a:xfrm>
-            <a:off x="-1479947" y="39377403"/>
-            <a:ext cx="16306800" cy="5334000"/>
+            <a:off x="1193005" y="34166751"/>
+            <a:ext cx="13633847" cy="6208930"/>
           </a:xfrm>
           <a:prstGeom prst="rect">
             <a:avLst/>
@@ -4643,7 +4643,7 @@
         <p:spPr>
           <a:xfrm>
             <a:off x="14876859" y="18544381"/>
-            <a:ext cx="14173200" cy="21697534"/>
+            <a:ext cx="14173200" cy="21831300"/>
           </a:xfrm>
           <a:prstGeom prst="rect">
             <a:avLst/>
@@ -4685,8 +4685,8 @@
         </p:nvSpPr>
         <p:spPr>
           <a:xfrm>
-            <a:off x="1193006" y="18506281"/>
-            <a:ext cx="13639800" cy="16917193"/>
+            <a:off x="1193006" y="18582480"/>
+            <a:ext cx="13639800" cy="15544801"/>
           </a:xfrm>
           <a:prstGeom prst="rect">
             <a:avLst/>
@@ -4902,16 +4902,7 @@
                 </a:solidFill>
                 <a:latin typeface="Calibri" pitchFamily="34" charset="0"/>
               </a:rPr>
-              <a:t>Maria A. </a:t>
-            </a:r>
-            <a:r>
-              <a:rPr lang="en-US" sz="6000" b="1" i="1" dirty="0" smtClean="0">
-                <a:solidFill>
-                  <a:srgbClr val="FFFF00"/>
-                </a:solidFill>
-                <a:latin typeface="Calibri" pitchFamily="34" charset="0"/>
-              </a:rPr>
-              <a:t>Piso</a:t>
+              <a:t>Maria A. Piso</a:t>
             </a:r>
             <a:endParaRPr lang="en-US" sz="6000" b="1" i="1" dirty="0">
               <a:solidFill>
@@ -5026,7 +5017,23 @@
           <a:p>
             <a:r>
               <a:rPr lang="en-US" sz="2400" dirty="0"/>
-              <a:t>The elemental compositions of planets define their chemistry, and could potentially be used as beacons for their formation location if the elemental gas and grain ratios of planet birth environments, i.e. protoplanetary disks, are well understood. In disks, the ratios of volatile elements, such as C/O and N/O, are regulated by the abundance of the main C, N, O carriers, their ice binding environment, and the presence of snowlines of major volatiles at different distances from the central star. We explore the effects of disk dynamical processes and ice compositions on the snowline locations of the main C, O and N carriers, and the C/N/O ratios in gas and dust throughout the disk. The gas-phase N/O ratio enhancement in the outer disk (exterior to the H2O snowline) exceeds the C/O ratio enhancement for all reasonable volatile compositions. Ice compositions and disk dynamics individually change the snowline locations of CO and N2 by a factor of 2-3, and when considered together the range of possible CO and N2 snowline locations is ~10 - ~70 AU in a standard disk model. Observations that anchor snowline locations at different stages of planet formation are therefore key to develop C/N/O ratios as a probe of planet formation zones.</a:t>
+              <a:t>The elemental compositions of planets define their chemistry, and could potentially be used as beacons for their formation location if the elemental gas and grain ratios of planet birth environments, i.e. protoplanetary disks, are well understood. In disks, the ratios of volatile elements, such as C/O and N/O, are regulated by the abundance of the main C, N, O carriers, their ice binding environment, and the presence of snowlines of major volatiles at different distances from the central star. We explore the effects of disk dynamical processes and ice compositions on the snowline locations of the main C, O and N carriers, and the C/N/O ratios in gas and dust throughout the disk. The gas-phase N/O ratio enhancement in the outer disk (exterior to the H2O snowline) exceeds the C/O ratio enhancement for all reasonable volatile compositions. Ice compositions and disk dynamics individually change the snowline locations of CO and N</a:t>
+            </a:r>
+            <a:r>
+              <a:rPr lang="en-US" sz="2400" baseline="-25000" dirty="0"/>
+              <a:t>2</a:t>
+            </a:r>
+            <a:r>
+              <a:rPr lang="en-US" sz="2400" dirty="0"/>
+              <a:t> by a factor of 2-3, and when considered together the range of possible CO and N</a:t>
+            </a:r>
+            <a:r>
+              <a:rPr lang="en-US" sz="2400" baseline="-25000" dirty="0"/>
+              <a:t>2</a:t>
+            </a:r>
+            <a:r>
+              <a:rPr lang="en-US" sz="2400" dirty="0"/>
+              <a:t> snowline locations is ~10 - ~70 AU in a standard disk model. Observations that anchor snowline locations at different stages of planet formation are therefore key to develop C/N/O ratios as a probe of planet formation zones.</a:t>
             </a:r>
           </a:p>
         </p:txBody>
@@ -5041,7 +5048,7 @@
         </p:nvSpPr>
         <p:spPr bwMode="auto">
           <a:xfrm>
-            <a:off x="8888413" y="41441688"/>
+            <a:off x="8851106" y="42275919"/>
             <a:ext cx="15011400" cy="461962"/>
           </a:xfrm>
           <a:prstGeom prst="rect">
@@ -5106,8 +5113,8 @@
         </p:nvSpPr>
         <p:spPr>
           <a:xfrm>
-            <a:off x="1116013" y="979488"/>
-            <a:ext cx="28117800" cy="40995600"/>
+            <a:off x="1116013" y="979487"/>
+            <a:ext cx="28117800" cy="41296431"/>
           </a:xfrm>
           <a:prstGeom prst="rect">
             <a:avLst/>
@@ -5509,10 +5516,10 @@
         </p:nvGrpSpPr>
         <p:grpSpPr>
           <a:xfrm>
-            <a:off x="1193006" y="18545158"/>
-            <a:ext cx="13639800" cy="16877523"/>
-            <a:chOff x="1347174" y="27037128"/>
-            <a:chExt cx="13956319" cy="14060975"/>
+            <a:off x="1193006" y="18545157"/>
+            <a:ext cx="13639800" cy="15505925"/>
+            <a:chOff x="1347174" y="27037126"/>
+            <a:chExt cx="13956319" cy="12918271"/>
           </a:xfrm>
         </p:grpSpPr>
         <p:sp>
@@ -5523,8 +5530,8 @@
           </p:nvSpPr>
           <p:spPr>
             <a:xfrm>
-              <a:off x="1347174" y="27037128"/>
-              <a:ext cx="13956319" cy="14060975"/>
+              <a:off x="1347174" y="27037126"/>
+              <a:ext cx="13956319" cy="12918271"/>
             </a:xfrm>
             <a:prstGeom prst="roundRect">
               <a:avLst/>
@@ -5612,8 +5619,8 @@
         </p:nvSpPr>
         <p:spPr>
           <a:xfrm>
-            <a:off x="14909006" y="18583274"/>
-            <a:ext cx="14173200" cy="10591007"/>
+            <a:off x="14909006" y="18583275"/>
+            <a:ext cx="14173200" cy="10297598"/>
           </a:xfrm>
           <a:prstGeom prst="roundRect">
             <a:avLst/>
@@ -5658,8 +5665,8 @@
         </p:nvSpPr>
         <p:spPr>
           <a:xfrm>
-            <a:off x="-1778794" y="40028039"/>
-            <a:ext cx="16306800" cy="5334000"/>
+            <a:off x="1263251" y="34166751"/>
+            <a:ext cx="13563601" cy="6208930"/>
           </a:xfrm>
           <a:prstGeom prst="roundRect">
             <a:avLst/>
@@ -5823,7 +5830,7 @@
         </p:nvSpPr>
         <p:spPr>
           <a:xfrm>
-            <a:off x="11632406" y="28350468"/>
+            <a:off x="11278990" y="26382694"/>
             <a:ext cx="3194447" cy="5632311"/>
           </a:xfrm>
           <a:prstGeom prst="rect">
@@ -5839,11 +5846,7 @@
           <a:p>
             <a:r>
               <a:rPr lang="en-US" sz="2400" dirty="0" smtClean="0"/>
-              <a:t>Fig. 2: </a:t>
-            </a:r>
-            <a:r>
-              <a:rPr lang="en-US" sz="2400" dirty="0" smtClean="0"/>
-              <a:t>Relevant </a:t>
+              <a:t>Fig. 2: Relevant </a:t>
             </a:r>
             <a:r>
               <a:rPr lang="en-US" sz="2400" dirty="0"/>
@@ -6268,8 +6271,8 @@
         </p:nvSpPr>
         <p:spPr>
           <a:xfrm>
-            <a:off x="19290506" y="41061481"/>
-            <a:ext cx="11506200" cy="5334000"/>
+            <a:off x="1263250" y="40451881"/>
+            <a:ext cx="27742755" cy="1773460"/>
           </a:xfrm>
           <a:prstGeom prst="roundRect">
             <a:avLst/>
@@ -6314,7 +6317,7 @@
         </p:nvSpPr>
         <p:spPr>
           <a:xfrm>
-            <a:off x="22039659" y="41691306"/>
+            <a:off x="13465491" y="40528081"/>
             <a:ext cx="5867400" cy="707886"/>
           </a:xfrm>
           <a:prstGeom prst="rect">
@@ -6331,14 +6334,14 @@
             <a:r>
               <a:rPr lang="en-US" sz="4000" b="1" i="1" dirty="0" smtClean="0">
                 <a:solidFill>
-                  <a:srgbClr val="FFFFFF"/>
+                  <a:srgbClr val="FFFF00"/>
                 </a:solidFill>
               </a:rPr>
               <a:t>CONCLUSIONS</a:t>
             </a:r>
             <a:endParaRPr lang="en-US" sz="4000" b="1" i="1" dirty="0">
               <a:solidFill>
-                <a:srgbClr val="FFFFFF"/>
+                <a:srgbClr val="FFFF00"/>
               </a:solidFill>
             </a:endParaRPr>
           </a:p>
@@ -6543,7 +6546,7 @@
           <a:graphicData uri="http://schemas.openxmlformats.org/presentationml/2006/ole">
             <mc:AlternateContent xmlns:mc="http://schemas.openxmlformats.org/markup-compatibility/2006">
               <mc:Choice xmlns:v="urn:schemas-microsoft-com:vml" Requires="v">
-                <p:oleObj spid="_x0000_s1815" name="Equation" r:id="rId9" imgW="165100" imgH="152400" progId="Equation.3">
+                <p:oleObj spid="_x0000_s1846" name="Equation" r:id="rId9" imgW="165100" imgH="152400" progId="Equation.3">
                   <p:embed/>
                 </p:oleObj>
               </mc:Choice>
@@ -6940,15 +6943,15 @@
           <a:p>
             <a:r>
               <a:rPr lang="en-US" sz="2400" dirty="0" smtClean="0"/>
-              <a:t>Fig. </a:t>
+              <a:t>Fig. 1: </a:t>
             </a:r>
             <a:r>
               <a:rPr lang="en-US" sz="2400" dirty="0" smtClean="0"/>
-              <a:t>1: </a:t>
+              <a:t>The </a:t>
             </a:r>
             <a:r>
               <a:rPr lang="en-US" sz="2400" dirty="0"/>
-              <a:t>. The total carbon, nitrogen, and oxygen abundance in solids as a function of </a:t>
+              <a:t>total carbon, nitrogen, and oxygen abundance in solids as a function of </a:t>
             </a:r>
             <a:r>
               <a:rPr lang="en-US" sz="2400" dirty="0" err="1"/>
@@ -7019,7 +7022,7 @@
         <p:spPr>
           <a:xfrm>
             <a:off x="1497410" y="20294553"/>
-            <a:ext cx="13106400" cy="9725739"/>
+            <a:ext cx="13106400" cy="7632859"/>
           </a:xfrm>
           <a:prstGeom prst="rect">
             <a:avLst/>
@@ -7035,65 +7038,6 @@
             <a:pPr algn="just"/>
             <a:r>
               <a:rPr lang="en-US" sz="3400" dirty="0" smtClean="0"/>
-              <a:t>From theoretical models, changing the </a:t>
-            </a:r>
-            <a:r>
-              <a:rPr lang="en-US" sz="3400" dirty="0" smtClean="0">
-                <a:solidFill>
-                  <a:srgbClr val="FFFF00"/>
-                </a:solidFill>
-              </a:rPr>
-              <a:t>C/O ratio </a:t>
-            </a:r>
-            <a:r>
-              <a:rPr lang="en-US" sz="3400" dirty="0" smtClean="0"/>
-              <a:t>in an exoplanet atmosphere by </a:t>
-            </a:r>
-            <a:r>
-              <a:rPr lang="en-US" sz="3400" dirty="0" smtClean="0">
-                <a:solidFill>
-                  <a:srgbClr val="FFFF00"/>
-                </a:solidFill>
-              </a:rPr>
-              <a:t>factors of 2-3 </a:t>
-            </a:r>
-            <a:r>
-              <a:rPr lang="en-US" sz="3400" dirty="0" smtClean="0"/>
-              <a:t>changes the abundance of other volatiles (e.g., H</a:t>
-            </a:r>
-            <a:r>
-              <a:rPr lang="en-US" sz="3400" baseline="-25000" dirty="0" smtClean="0"/>
-              <a:t>2</a:t>
-            </a:r>
-            <a:r>
-              <a:rPr lang="en-US" sz="3400" dirty="0" smtClean="0"/>
-              <a:t>O, CH</a:t>
-            </a:r>
-            <a:r>
-              <a:rPr lang="en-US" sz="3400" baseline="-25000" dirty="0"/>
-              <a:t>4</a:t>
-            </a:r>
-            <a:r>
-              <a:rPr lang="en-US" sz="3400" dirty="0" smtClean="0"/>
-              <a:t>) by </a:t>
-            </a:r>
-            <a:r>
-              <a:rPr lang="en-US" sz="3400" dirty="0" smtClean="0">
-                <a:solidFill>
-                  <a:srgbClr val="FFFF00"/>
-                </a:solidFill>
-              </a:rPr>
-              <a:t>several orders of magnitude</a:t>
-            </a:r>
-          </a:p>
-          <a:p>
-            <a:pPr algn="just"/>
-            <a:endParaRPr lang="en-US" sz="3400" dirty="0"/>
-          </a:p>
-          <a:p>
-            <a:pPr algn="just"/>
-            <a:r>
-              <a:rPr lang="en-US" sz="3400" dirty="0" smtClean="0"/>
               <a:t>Some observations suggest C/O ratios in exoplanet atmospheres </a:t>
             </a:r>
             <a:r>
@@ -7127,11 +7071,6 @@
               </a:rPr>
               <a:t>POSSIBLE EXPLANATION</a:t>
             </a:r>
-            <a:endParaRPr lang="en-US" sz="3400" b="1" dirty="0" smtClean="0">
-              <a:solidFill>
-                <a:srgbClr val="FFFF00"/>
-              </a:solidFill>
-            </a:endParaRPr>
           </a:p>
           <a:p>
             <a:pPr algn="just"/>
@@ -7283,7 +7222,7 @@
         </p:blipFill>
         <p:spPr>
           <a:xfrm>
-            <a:off x="2412206" y="28213547"/>
+            <a:off x="1804392" y="26255131"/>
             <a:ext cx="9170194" cy="6877646"/>
           </a:xfrm>
           <a:prstGeom prst="rect">
@@ -7345,11 +7284,7 @@
           <a:p>
             <a:r>
               <a:rPr lang="en-US" sz="2400" dirty="0" smtClean="0"/>
-              <a:t>Fig. </a:t>
-            </a:r>
-            <a:r>
-              <a:rPr lang="en-US" sz="2400" dirty="0" smtClean="0"/>
-              <a:t>3: </a:t>
+              <a:t>Fig. 3: </a:t>
             </a:r>
             <a:r>
               <a:rPr lang="en-US" sz="2400" dirty="0"/>
@@ -7389,7 +7324,15 @@
             </a:r>
             <a:r>
               <a:rPr lang="en-US" sz="2400" dirty="0" smtClean="0"/>
-              <a:t>disk. The gas-phase C/O ratio is enhanced by  factor of 2 in the outer disk compared to the stellar value (dotted line). Disk dynamics move the snowlines inwards by up to a factor of ~2. From Piso et al. (2015b).</a:t>
+              <a:t>disk. The gas-phase C/O ratio is enhanced by </a:t>
+            </a:r>
+            <a:r>
+              <a:rPr lang="en-US" sz="2400" dirty="0" smtClean="0"/>
+              <a:t>a </a:t>
+            </a:r>
+            <a:r>
+              <a:rPr lang="en-US" sz="2400" dirty="0" smtClean="0"/>
+              <a:t>factor of 2 in the outer disk compared to the stellar value (dotted line). Disk dynamics move the snowlines inwards by up to a factor of ~2. From Piso et al. (2015b).</a:t>
             </a:r>
             <a:endParaRPr lang="en-US" sz="2400" dirty="0"/>
           </a:p>
@@ -7403,8 +7346,8 @@
         </p:nvSpPr>
         <p:spPr>
           <a:xfrm>
-            <a:off x="14915468" y="29250481"/>
-            <a:ext cx="14134591" cy="11085729"/>
+            <a:off x="14915468" y="28956280"/>
+            <a:ext cx="14134591" cy="11379931"/>
           </a:xfrm>
           <a:prstGeom prst="roundRect">
             <a:avLst/>
@@ -7449,7 +7392,7 @@
         </p:nvSpPr>
         <p:spPr>
           <a:xfrm>
-            <a:off x="15715059" y="29788737"/>
+            <a:off x="15715059" y="29140289"/>
             <a:ext cx="12192000" cy="1938992"/>
           </a:xfrm>
           <a:prstGeom prst="rect">
@@ -7502,8 +7445,8 @@
         </p:blipFill>
         <p:spPr>
           <a:xfrm>
-            <a:off x="15991258" y="33517681"/>
-            <a:ext cx="8137948" cy="6510358"/>
+            <a:off x="15840687" y="32845707"/>
+            <a:ext cx="8761892" cy="7009512"/>
           </a:xfrm>
           <a:prstGeom prst="rect">
             <a:avLst/>
@@ -7518,8 +7461,8 @@
         </p:nvSpPr>
         <p:spPr>
           <a:xfrm>
-            <a:off x="15137606" y="31652370"/>
-            <a:ext cx="13106400" cy="3447098"/>
+            <a:off x="15402519" y="30967846"/>
+            <a:ext cx="13106400" cy="2923877"/>
           </a:xfrm>
           <a:prstGeom prst="rect">
             <a:avLst/>
@@ -7547,7 +7490,7 @@
             </a:r>
             <a:r>
               <a:rPr lang="en-US" sz="3400" dirty="0" smtClean="0"/>
-              <a:t>is ~</a:t>
+              <a:t>is </a:t>
             </a:r>
             <a:r>
               <a:rPr lang="en-US" sz="3400" dirty="0" smtClean="0">
@@ -7555,11 +7498,23 @@
                   <a:srgbClr val="FFFF00"/>
                 </a:solidFill>
               </a:rPr>
-              <a:t>1.7 times larger</a:t>
+              <a:t>~1.7 times larger</a:t>
             </a:r>
             <a:r>
               <a:rPr lang="en-US" sz="3400" dirty="0" smtClean="0"/>
-              <a:t> if it is in a </a:t>
+              <a:t> if </a:t>
+            </a:r>
+            <a:r>
+              <a:rPr lang="en-US" sz="3400" dirty="0" smtClean="0"/>
+              <a:t>CO</a:t>
+            </a:r>
+            <a:r>
+              <a:rPr lang="en-US" sz="3400" dirty="0" smtClean="0"/>
+              <a:t> </a:t>
+            </a:r>
+            <a:r>
+              <a:rPr lang="en-US" sz="3400" dirty="0" smtClean="0"/>
+              <a:t>is in a </a:t>
             </a:r>
             <a:r>
               <a:rPr lang="en-US" sz="3400" dirty="0" smtClean="0">
@@ -7583,7 +7538,15 @@
             </a:r>
             <a:r>
               <a:rPr lang="en-US" sz="3400" dirty="0" smtClean="0"/>
-              <a:t>=&gt; change in CO snowline locations depending on its </a:t>
+              <a:t>=&gt; </a:t>
+            </a:r>
+            <a:r>
+              <a:rPr lang="en-US" sz="3400" dirty="0">
+                <a:solidFill>
+                  <a:srgbClr val="FFFF00"/>
+                </a:solidFill>
+              </a:rPr>
+              <a:t>binding </a:t>
             </a:r>
             <a:r>
               <a:rPr lang="en-US" sz="3400" dirty="0" smtClean="0">
@@ -7591,12 +7554,12 @@
                   <a:srgbClr val="FFFF00"/>
                 </a:solidFill>
               </a:rPr>
-              <a:t>binding environment</a:t>
-            </a:r>
-          </a:p>
-          <a:p>
-            <a:pPr algn="just"/>
-            <a:endParaRPr lang="en-US" sz="3400" dirty="0"/>
+              <a:t>environment </a:t>
+            </a:r>
+            <a:r>
+              <a:rPr lang="en-US" sz="3400" dirty="0" smtClean="0"/>
+              <a:t>changes the CO snowline locations</a:t>
+            </a:r>
           </a:p>
           <a:p>
             <a:pPr algn="just"/>
@@ -7634,8 +7597,8 @@
         </p:nvSpPr>
         <p:spPr>
           <a:xfrm>
-            <a:off x="24367233" y="33828970"/>
-            <a:ext cx="3876773" cy="5632311"/>
+            <a:off x="24913332" y="33095191"/>
+            <a:ext cx="3876773" cy="6001643"/>
           </a:xfrm>
           <a:prstGeom prst="rect">
             <a:avLst/>
@@ -7650,20 +7613,677 @@
           <a:p>
             <a:r>
               <a:rPr lang="en-US" sz="2400" dirty="0" smtClean="0"/>
-              <a:t>Fig. </a:t>
+              <a:t>Fig. 4: C/O ratios and snowline locations in a viscous disk, with CO as pure ice (top panel) and in a water dominated </a:t>
             </a:r>
             <a:r>
               <a:rPr lang="en-US" sz="2400" dirty="0" smtClean="0"/>
-              <a:t>4: C/O ratios and snowline locations in a viscous disk, with CO as pure ice (top panel) and in a water dominated environment. The CO snowline location may change by a factor of ~2 due to disk dynamics and by a factor of ~3-4 due to ice compositions. </a:t>
+              <a:t>environment (bottom panel). </a:t>
             </a:r>
             <a:r>
               <a:rPr lang="en-US" sz="2400" dirty="0" smtClean="0"/>
-              <a:t>In our fiducial disk, the CO snowlines can span 9-61 AU. From Piso et al. (2016b).</a:t>
+              <a:t>The CO snowline location may change by a factor of ~2 due to disk dynamics and by a factor of ~3-4 due to ice compositions. In our fiducial disk, the CO snowlines can span 9-61 AU. From Piso et al. (</a:t>
+            </a:r>
+            <a:r>
+              <a:rPr lang="en-US" sz="2400" dirty="0" smtClean="0"/>
+              <a:t>2016).</a:t>
             </a:r>
             <a:endParaRPr lang="en-US" sz="2400" dirty="0"/>
           </a:p>
         </p:txBody>
       </p:sp>
+      <p:sp>
+        <p:nvSpPr>
+          <p:cNvPr id="157" name="TextBox 156"/>
+          <p:cNvSpPr txBox="1"/>
+          <p:nvPr/>
+        </p:nvSpPr>
+        <p:spPr>
+          <a:xfrm>
+            <a:off x="2145223" y="34246482"/>
+            <a:ext cx="12192000" cy="707886"/>
+          </a:xfrm>
+          <a:prstGeom prst="rect">
+            <a:avLst/>
+          </a:prstGeom>
+          <a:noFill/>
+        </p:spPr>
+        <p:txBody>
+          <a:bodyPr wrap="square" rtlCol="0">
+            <a:spAutoFit/>
+          </a:bodyPr>
+          <a:lstStyle/>
+          <a:p>
+            <a:pPr algn="ctr"/>
+            <a:r>
+              <a:rPr lang="en-US" sz="4000" b="1" i="1" dirty="0" smtClean="0">
+                <a:solidFill>
+                  <a:srgbClr val="FFFF00"/>
+                </a:solidFill>
+              </a:rPr>
+              <a:t>N/O RATIOS IN DISKS ARE HIGHLY ENHANCED</a:t>
+            </a:r>
+            <a:endParaRPr lang="en-US" sz="4000" b="1" i="1" dirty="0">
+              <a:solidFill>
+                <a:srgbClr val="FFFF00"/>
+              </a:solidFill>
+            </a:endParaRPr>
+          </a:p>
+        </p:txBody>
+      </p:sp>
+      <p:sp>
+        <p:nvSpPr>
+          <p:cNvPr id="158" name="TextBox 157"/>
+          <p:cNvSpPr txBox="1"/>
+          <p:nvPr/>
+        </p:nvSpPr>
+        <p:spPr>
+          <a:xfrm>
+            <a:off x="1489215" y="34858571"/>
+            <a:ext cx="13335000" cy="5940088"/>
+          </a:xfrm>
+          <a:prstGeom prst="rect">
+            <a:avLst/>
+          </a:prstGeom>
+          <a:noFill/>
+        </p:spPr>
+        <p:txBody>
+          <a:bodyPr wrap="square" rtlCol="0">
+            <a:spAutoFit/>
+          </a:bodyPr>
+          <a:lstStyle/>
+          <a:p>
+            <a:pPr lvl="0" algn="just"/>
+            <a:r>
+              <a:rPr lang="en-US" sz="3400" dirty="0" smtClean="0">
+                <a:solidFill>
+                  <a:prstClr val="black"/>
+                </a:solidFill>
+              </a:rPr>
+              <a:t>Can use </a:t>
+            </a:r>
+            <a:r>
+              <a:rPr lang="en-US" sz="3400" dirty="0" smtClean="0">
+                <a:solidFill>
+                  <a:srgbClr val="FFFF00"/>
+                </a:solidFill>
+              </a:rPr>
+              <a:t>N/O ratios </a:t>
+            </a:r>
+            <a:r>
+              <a:rPr lang="en-US" sz="3400" dirty="0" smtClean="0">
+                <a:solidFill>
+                  <a:prstClr val="black"/>
+                </a:solidFill>
+              </a:rPr>
+              <a:t>in addition to C/O to further </a:t>
+            </a:r>
+            <a:r>
+              <a:rPr lang="en-US" sz="3400" dirty="0" smtClean="0">
+                <a:solidFill>
+                  <a:srgbClr val="FFFF00"/>
+                </a:solidFill>
+              </a:rPr>
+              <a:t>constrain disk and planet compositions</a:t>
+            </a:r>
+          </a:p>
+          <a:p>
+            <a:pPr lvl="0" algn="just"/>
+            <a:endParaRPr lang="en-US" sz="2400" dirty="0" smtClean="0">
+              <a:solidFill>
+                <a:srgbClr val="FFFFFF"/>
+              </a:solidFill>
+            </a:endParaRPr>
+          </a:p>
+          <a:p>
+            <a:pPr marL="342900" indent="-342900">
+              <a:buFont typeface="Arial"/>
+              <a:buChar char="•"/>
+            </a:pPr>
+            <a:endParaRPr lang="en-US" sz="2400" dirty="0">
+              <a:solidFill>
+                <a:srgbClr val="FFFFFF"/>
+              </a:solidFill>
+            </a:endParaRPr>
+          </a:p>
+          <a:p>
+            <a:pPr marL="342900" indent="-342900">
+              <a:buFont typeface="Arial"/>
+              <a:buChar char="•"/>
+            </a:pPr>
+            <a:endParaRPr lang="en-US" sz="2400" dirty="0" smtClean="0">
+              <a:solidFill>
+                <a:srgbClr val="FFFFFF"/>
+              </a:solidFill>
+            </a:endParaRPr>
+          </a:p>
+          <a:p>
+            <a:pPr marL="342900" indent="-342900">
+              <a:buFont typeface="Arial"/>
+              <a:buChar char="•"/>
+            </a:pPr>
+            <a:endParaRPr lang="en-US" sz="2400" dirty="0">
+              <a:solidFill>
+                <a:srgbClr val="FFFFFF"/>
+              </a:solidFill>
+            </a:endParaRPr>
+          </a:p>
+          <a:p>
+            <a:pPr marL="342900" indent="-342900">
+              <a:buFont typeface="Arial"/>
+              <a:buChar char="•"/>
+            </a:pPr>
+            <a:endParaRPr lang="en-US" sz="2400" dirty="0" smtClean="0">
+              <a:solidFill>
+                <a:srgbClr val="FFFFFF"/>
+              </a:solidFill>
+            </a:endParaRPr>
+          </a:p>
+          <a:p>
+            <a:pPr marL="342900" indent="-342900">
+              <a:buFont typeface="Arial"/>
+              <a:buChar char="•"/>
+            </a:pPr>
+            <a:endParaRPr lang="en-US" sz="2400" dirty="0">
+              <a:solidFill>
+                <a:srgbClr val="FFFFFF"/>
+              </a:solidFill>
+            </a:endParaRPr>
+          </a:p>
+          <a:p>
+            <a:pPr marL="342900" indent="-342900">
+              <a:buFont typeface="Arial"/>
+              <a:buChar char="•"/>
+            </a:pPr>
+            <a:endParaRPr lang="en-US" sz="2400" dirty="0" smtClean="0">
+              <a:solidFill>
+                <a:srgbClr val="FFFFFF"/>
+              </a:solidFill>
+            </a:endParaRPr>
+          </a:p>
+          <a:p>
+            <a:pPr marL="342900" indent="-342900">
+              <a:buFont typeface="Arial"/>
+              <a:buChar char="•"/>
+            </a:pPr>
+            <a:endParaRPr lang="en-US" sz="2400" dirty="0">
+              <a:solidFill>
+                <a:srgbClr val="FFFFFF"/>
+              </a:solidFill>
+            </a:endParaRPr>
+          </a:p>
+          <a:p>
+            <a:pPr marL="342900" indent="-342900">
+              <a:buFont typeface="Arial"/>
+              <a:buChar char="•"/>
+            </a:pPr>
+            <a:endParaRPr lang="en-US" sz="2400" dirty="0" smtClean="0">
+              <a:solidFill>
+                <a:srgbClr val="FFFFFF"/>
+              </a:solidFill>
+            </a:endParaRPr>
+          </a:p>
+          <a:p>
+            <a:pPr marL="342900" indent="-342900">
+              <a:buFont typeface="Arial"/>
+              <a:buChar char="•"/>
+            </a:pPr>
+            <a:endParaRPr lang="en-US" sz="2400" dirty="0">
+              <a:solidFill>
+                <a:srgbClr val="FFFFFF"/>
+              </a:solidFill>
+            </a:endParaRPr>
+          </a:p>
+          <a:p>
+            <a:pPr marL="342900" indent="-342900">
+              <a:buFont typeface="Arial"/>
+              <a:buChar char="•"/>
+            </a:pPr>
+            <a:endParaRPr lang="en-US" sz="2400" dirty="0" smtClean="0">
+              <a:solidFill>
+                <a:srgbClr val="FFFFFF"/>
+              </a:solidFill>
+            </a:endParaRPr>
+          </a:p>
+          <a:p>
+            <a:pPr marL="342900" indent="-342900">
+              <a:buFont typeface="Arial"/>
+              <a:buChar char="•"/>
+            </a:pPr>
+            <a:endParaRPr lang="en-US" sz="2400" dirty="0">
+              <a:solidFill>
+                <a:srgbClr val="FFFFFF"/>
+              </a:solidFill>
+            </a:endParaRPr>
+          </a:p>
+          <a:p>
+            <a:pPr marL="342900" indent="-342900">
+              <a:buFont typeface="Arial"/>
+              <a:buChar char="•"/>
+            </a:pPr>
+            <a:endParaRPr lang="en-US" sz="2400" dirty="0">
+              <a:solidFill>
+                <a:srgbClr val="FFFFFF"/>
+              </a:solidFill>
+            </a:endParaRPr>
+          </a:p>
+        </p:txBody>
+      </p:sp>
+      <p:pic>
+        <p:nvPicPr>
+          <p:cNvPr id="159" name="Picture 158" descr="N_O_ratio_single_snowlines.pdf"/>
+          <p:cNvPicPr>
+            <a:picLocks noChangeAspect="1"/>
+          </p:cNvPicPr>
+          <p:nvPr/>
+        </p:nvPicPr>
+        <p:blipFill>
+          <a:blip r:embed="rId16">
+            <a:extLst>
+              <a:ext uri="{28A0092B-C50C-407E-A947-70E740481C1C}">
+                <a14:useLocalDpi xmlns:a14="http://schemas.microsoft.com/office/drawing/2010/main" val="0"/>
+              </a:ext>
+            </a:extLst>
+          </a:blip>
+          <a:stretch>
+            <a:fillRect/>
+          </a:stretch>
+        </p:blipFill>
+        <p:spPr>
+          <a:xfrm>
+            <a:off x="1551413" y="36046929"/>
+            <a:ext cx="5606465" cy="3932312"/>
+          </a:xfrm>
+          <a:prstGeom prst="rect">
+            <a:avLst/>
+          </a:prstGeom>
+        </p:spPr>
+      </p:pic>
+      <p:sp>
+        <p:nvSpPr>
+          <p:cNvPr id="160" name="TextBox 159"/>
+          <p:cNvSpPr txBox="1"/>
+          <p:nvPr/>
+        </p:nvSpPr>
+        <p:spPr>
+          <a:xfrm>
+            <a:off x="7376761" y="35920838"/>
+            <a:ext cx="6313044" cy="3785652"/>
+          </a:xfrm>
+          <a:prstGeom prst="rect">
+            <a:avLst/>
+          </a:prstGeom>
+          <a:noFill/>
+        </p:spPr>
+        <p:txBody>
+          <a:bodyPr wrap="square" rtlCol="0">
+            <a:spAutoFit/>
+          </a:bodyPr>
+          <a:lstStyle/>
+          <a:p>
+            <a:r>
+              <a:rPr lang="en-US" sz="2400" dirty="0" smtClean="0"/>
+              <a:t>Fig. 5: The N/O ratio in gas (</a:t>
+            </a:r>
+            <a:r>
+              <a:rPr lang="en-US" sz="2400" dirty="0" smtClean="0"/>
+              <a:t>solid line) </a:t>
+            </a:r>
+            <a:r>
+              <a:rPr lang="en-US" sz="2400" dirty="0" smtClean="0"/>
+              <a:t>and dust (</a:t>
+            </a:r>
+            <a:r>
+              <a:rPr lang="en-US" sz="2400" dirty="0" smtClean="0"/>
+              <a:t>dashed line) </a:t>
+            </a:r>
+            <a:r>
+              <a:rPr lang="en-US" sz="2400" dirty="0" smtClean="0"/>
+              <a:t>in a static disk. We consider that all nitrogen is in N</a:t>
+            </a:r>
+            <a:r>
+              <a:rPr lang="en-US" sz="2400" baseline="-25000" dirty="0" smtClean="0"/>
+              <a:t>2</a:t>
+            </a:r>
+            <a:r>
+              <a:rPr lang="en-US" sz="2400" dirty="0" smtClean="0"/>
+              <a:t>. The gas-phase N/O ratio is enhanced by a factor of 2 outside the H</a:t>
+            </a:r>
+            <a:r>
+              <a:rPr lang="en-US" sz="2400" baseline="-25000" dirty="0" smtClean="0"/>
+              <a:t>2</a:t>
+            </a:r>
+            <a:r>
+              <a:rPr lang="en-US" sz="2400" dirty="0" smtClean="0"/>
+              <a:t>O snowline compared to the stellar value (</a:t>
+            </a:r>
+            <a:r>
+              <a:rPr lang="en-US" sz="2400" dirty="0" smtClean="0"/>
+              <a:t>dotted line), </a:t>
+            </a:r>
+            <a:r>
+              <a:rPr lang="en-US" sz="2400" dirty="0" smtClean="0"/>
+              <a:t>by a factor of 3 between the CO</a:t>
+            </a:r>
+            <a:r>
+              <a:rPr lang="en-US" sz="2400" baseline="-25000" dirty="0" smtClean="0"/>
+              <a:t>2</a:t>
+            </a:r>
+            <a:r>
+              <a:rPr lang="en-US" sz="2400" dirty="0" smtClean="0"/>
+              <a:t> and CO snowlines, and by many orders of magnitude between the </a:t>
+            </a:r>
+            <a:r>
+              <a:rPr lang="en-US" sz="2400" dirty="0" smtClean="0"/>
+              <a:t>CO </a:t>
+            </a:r>
+            <a:r>
+              <a:rPr lang="en-US" sz="2400" dirty="0" smtClean="0"/>
+              <a:t>and N</a:t>
+            </a:r>
+            <a:r>
+              <a:rPr lang="en-US" sz="2400" baseline="-25000" dirty="0" smtClean="0"/>
+              <a:t>2</a:t>
+            </a:r>
+            <a:r>
+              <a:rPr lang="en-US" sz="2400" dirty="0" smtClean="0"/>
+              <a:t> snowlines where oxygen gas is depleted.</a:t>
+            </a:r>
+            <a:r>
+              <a:rPr lang="en-US" sz="2400" dirty="0"/>
+              <a:t> </a:t>
+            </a:r>
+            <a:r>
+              <a:rPr lang="en-US" sz="2400" dirty="0" smtClean="0"/>
+              <a:t>Adapted from Piso et al. (2015b).</a:t>
+            </a:r>
+            <a:endParaRPr lang="en-US" sz="2400" dirty="0"/>
+          </a:p>
+        </p:txBody>
+      </p:sp>
+      <p:sp>
+        <p:nvSpPr>
+          <p:cNvPr id="161" name="TextBox 160"/>
+          <p:cNvSpPr txBox="1"/>
+          <p:nvPr/>
+        </p:nvSpPr>
+        <p:spPr>
+          <a:xfrm>
+            <a:off x="1497409" y="40971648"/>
+            <a:ext cx="27508595" cy="2462213"/>
+          </a:xfrm>
+          <a:prstGeom prst="rect">
+            <a:avLst/>
+          </a:prstGeom>
+          <a:noFill/>
+        </p:spPr>
+        <p:txBody>
+          <a:bodyPr wrap="square" rtlCol="0">
+            <a:spAutoFit/>
+          </a:bodyPr>
+          <a:lstStyle/>
+          <a:p>
+            <a:pPr marL="0" indent="0" algn="ctr">
+              <a:buNone/>
+            </a:pPr>
+            <a:r>
+              <a:rPr lang="en-US" sz="3600" dirty="0"/>
+              <a:t>Gas phase </a:t>
+            </a:r>
+            <a:r>
+              <a:rPr lang="en-US" sz="3600" dirty="0">
+                <a:solidFill>
+                  <a:srgbClr val="FFFF00"/>
+                </a:solidFill>
+              </a:rPr>
+              <a:t>N/O ratios </a:t>
+            </a:r>
+            <a:r>
+              <a:rPr lang="en-US" sz="3600" dirty="0"/>
+              <a:t>are</a:t>
+            </a:r>
+            <a:r>
+              <a:rPr lang="en-US" sz="3600" dirty="0">
+                <a:solidFill>
+                  <a:srgbClr val="FFFFFF"/>
+                </a:solidFill>
+              </a:rPr>
+              <a:t> </a:t>
+            </a:r>
+            <a:r>
+              <a:rPr lang="en-US" sz="3600" dirty="0">
+                <a:solidFill>
+                  <a:srgbClr val="FFFF00"/>
+                </a:solidFill>
+              </a:rPr>
+              <a:t>highly enhanced</a:t>
+            </a:r>
+            <a:r>
+              <a:rPr lang="en-US" sz="3600" dirty="0">
+                <a:solidFill>
+                  <a:srgbClr val="FFFFFF"/>
+                </a:solidFill>
+              </a:rPr>
+              <a:t> </a:t>
+            </a:r>
+            <a:r>
+              <a:rPr lang="en-US" sz="3600" dirty="0"/>
+              <a:t>throughout most of the </a:t>
+            </a:r>
+            <a:r>
+              <a:rPr lang="en-US" sz="3600" dirty="0" smtClean="0"/>
+              <a:t>disk, </a:t>
+            </a:r>
+            <a:r>
+              <a:rPr lang="en-US" sz="3600" dirty="0"/>
+              <a:t>and </a:t>
+            </a:r>
+            <a:r>
+              <a:rPr lang="en-US" sz="3600" dirty="0">
+                <a:solidFill>
+                  <a:srgbClr val="FFFF00"/>
+                </a:solidFill>
+              </a:rPr>
+              <a:t>more enhanced than the C/O ratio</a:t>
+            </a:r>
+          </a:p>
+          <a:p>
+            <a:pPr algn="ctr"/>
+            <a:r>
+              <a:rPr lang="en-US" sz="3600" dirty="0"/>
+              <a:t>The locations of the </a:t>
+            </a:r>
+            <a:r>
+              <a:rPr lang="en-US" sz="3600" dirty="0">
+                <a:solidFill>
+                  <a:srgbClr val="FFFF00"/>
+                </a:solidFill>
+              </a:rPr>
+              <a:t>CO</a:t>
+            </a:r>
+            <a:r>
+              <a:rPr lang="en-US" sz="3600" dirty="0">
+                <a:solidFill>
+                  <a:srgbClr val="FFFFFF"/>
+                </a:solidFill>
+              </a:rPr>
+              <a:t> </a:t>
+            </a:r>
+            <a:r>
+              <a:rPr lang="en-US" sz="3600" dirty="0"/>
+              <a:t>and</a:t>
+            </a:r>
+            <a:r>
+              <a:rPr lang="en-US" sz="3600" dirty="0">
+                <a:solidFill>
+                  <a:srgbClr val="FFFFFF"/>
+                </a:solidFill>
+              </a:rPr>
+              <a:t> </a:t>
+            </a:r>
+            <a:r>
+              <a:rPr lang="en-US" sz="3600" dirty="0">
+                <a:solidFill>
+                  <a:srgbClr val="FFFF00"/>
+                </a:solidFill>
+              </a:rPr>
+              <a:t>N</a:t>
+            </a:r>
+            <a:r>
+              <a:rPr lang="en-US" sz="3600" baseline="-25000" dirty="0">
+                <a:solidFill>
+                  <a:srgbClr val="FFFF00"/>
+                </a:solidFill>
+              </a:rPr>
+              <a:t>2</a:t>
+            </a:r>
+            <a:r>
+              <a:rPr lang="en-US" sz="3600" dirty="0">
+                <a:solidFill>
+                  <a:srgbClr val="FFFF00"/>
+                </a:solidFill>
+              </a:rPr>
+              <a:t> snowlines </a:t>
+            </a:r>
+            <a:r>
+              <a:rPr lang="en-US" sz="3600" dirty="0"/>
+              <a:t>are</a:t>
+            </a:r>
+            <a:r>
+              <a:rPr lang="en-US" sz="3600" dirty="0">
+                <a:solidFill>
+                  <a:srgbClr val="FFFFFF"/>
+                </a:solidFill>
+              </a:rPr>
+              <a:t> </a:t>
+            </a:r>
+            <a:r>
+              <a:rPr lang="en-US" sz="3600" dirty="0">
+                <a:solidFill>
+                  <a:srgbClr val="FFFF00"/>
+                </a:solidFill>
+              </a:rPr>
+              <a:t>highly uncertain </a:t>
+            </a:r>
+            <a:r>
+              <a:rPr lang="en-US" sz="3600" dirty="0"/>
+              <a:t>and</a:t>
+            </a:r>
+            <a:r>
+              <a:rPr lang="en-US" sz="3600" dirty="0">
+                <a:solidFill>
+                  <a:srgbClr val="FFFFFF"/>
+                </a:solidFill>
+              </a:rPr>
+              <a:t> </a:t>
+            </a:r>
+            <a:r>
+              <a:rPr lang="en-US" sz="3600" dirty="0">
+                <a:solidFill>
+                  <a:srgbClr val="FFFF00"/>
+                </a:solidFill>
+              </a:rPr>
+              <a:t>can span several tens of AU</a:t>
+            </a:r>
+            <a:r>
+              <a:rPr lang="en-US" sz="3600" dirty="0">
+                <a:solidFill>
+                  <a:srgbClr val="FFFFFF"/>
+                </a:solidFill>
+              </a:rPr>
+              <a:t> </a:t>
+            </a:r>
+            <a:r>
+              <a:rPr lang="en-US" sz="3600" dirty="0" smtClean="0"/>
+              <a:t>=&gt;</a:t>
+            </a:r>
+            <a:r>
+              <a:rPr lang="en-US" sz="3600" dirty="0" smtClean="0">
+                <a:solidFill>
+                  <a:srgbClr val="FFFFFF"/>
+                </a:solidFill>
+              </a:rPr>
+              <a:t> </a:t>
+            </a:r>
+            <a:r>
+              <a:rPr lang="en-US" sz="3600" dirty="0">
+                <a:solidFill>
+                  <a:srgbClr val="FFFF00"/>
+                </a:solidFill>
+              </a:rPr>
+              <a:t>observations</a:t>
+            </a:r>
+            <a:r>
+              <a:rPr lang="en-US" sz="3600" dirty="0">
+                <a:solidFill>
+                  <a:srgbClr val="FFFFFF"/>
+                </a:solidFill>
+              </a:rPr>
+              <a:t> </a:t>
+            </a:r>
+            <a:r>
+              <a:rPr lang="en-US" sz="3600" dirty="0"/>
+              <a:t>are KEY</a:t>
+            </a:r>
+            <a:endParaRPr lang="en-US" sz="3400" dirty="0"/>
+          </a:p>
+          <a:p>
+            <a:pPr algn="just"/>
+            <a:endParaRPr lang="en-US" sz="3400" dirty="0" smtClean="0"/>
+          </a:p>
+          <a:p>
+            <a:pPr algn="just">
+              <a:buFont typeface="Arial" pitchFamily="34" charset="0"/>
+              <a:buChar char="•"/>
+            </a:pPr>
+            <a:endParaRPr lang="en-US" sz="2400" dirty="0" smtClean="0">
+              <a:solidFill>
+                <a:schemeClr val="bg1"/>
+              </a:solidFill>
+            </a:endParaRPr>
+          </a:p>
+          <a:p>
+            <a:pPr algn="just">
+              <a:buFont typeface="Arial" pitchFamily="34" charset="0"/>
+              <a:buChar char="•"/>
+            </a:pPr>
+            <a:endParaRPr lang="en-US" sz="2400" dirty="0" smtClean="0">
+              <a:solidFill>
+                <a:schemeClr val="bg1"/>
+              </a:solidFill>
+            </a:endParaRPr>
+          </a:p>
+        </p:txBody>
+      </p:sp>
+      <p:pic>
+        <p:nvPicPr>
+          <p:cNvPr id="3" name="Picture 2"/>
+          <p:cNvPicPr>
+            <a:picLocks noChangeAspect="1"/>
+          </p:cNvPicPr>
+          <p:nvPr/>
+        </p:nvPicPr>
+        <p:blipFill>
+          <a:blip r:embed="rId17">
+            <a:extLst>
+              <a:ext uri="{28A0092B-C50C-407E-A947-70E740481C1C}">
+                <a14:useLocalDpi xmlns:a14="http://schemas.microsoft.com/office/drawing/2010/main" val="0"/>
+              </a:ext>
+            </a:extLst>
+          </a:blip>
+          <a:stretch>
+            <a:fillRect/>
+          </a:stretch>
+        </p:blipFill>
+        <p:spPr>
+          <a:xfrm>
+            <a:off x="20552091" y="1235301"/>
+            <a:ext cx="1443515" cy="1171175"/>
+          </a:xfrm>
+          <a:prstGeom prst="rect">
+            <a:avLst/>
+          </a:prstGeom>
+        </p:spPr>
+      </p:pic>
     </p:spTree>
   </p:cSld>
   <p:clrMapOvr>
